--- a/Management/Presentations/Fourth Presentation.pptx
+++ b/Management/Presentations/Fourth Presentation.pptx
@@ -4614,6 +4614,7 @@
           <a:bodyPr/>
           <a:lstStyle/>
           <a:p>
+            <a:pPr algn="ctr"/>
             <a:r>
               <a:rPr lang="en-GB" dirty="0"/>
               <a:t>Management lessons learnt</a:t>
@@ -7616,7 +7617,7 @@
         <p:spPr>
           <a:xfrm>
             <a:off x="237744" y="2025004"/>
-            <a:ext cx="6693408" cy="2554545"/>
+            <a:ext cx="6693408" cy="1077218"/>
           </a:xfrm>
           <a:prstGeom prst="rect">
             <a:avLst/>
@@ -7635,47 +7636,17 @@
             </a:pPr>
             <a:r>
               <a:rPr lang="en-GB" sz="3200" dirty="0"/>
-              <a:t>Fix bugs</a:t>
-            </a:r>
-          </a:p>
-          <a:p>
-            <a:pPr marL="742950" lvl="1" indent="-285750">
+              <a:t>Balancing </a:t>
+            </a:r>
+          </a:p>
+          <a:p>
+            <a:pPr marL="285750" indent="-285750">
               <a:buFont typeface="Wingdings" panose="05000000000000000000" pitchFamily="2" charset="2"/>
               <a:buChar char="Ø"/>
             </a:pPr>
             <a:r>
               <a:rPr lang="en-GB" sz="3200" dirty="0"/>
-              <a:t>First player disadvantage</a:t>
-            </a:r>
-          </a:p>
-          <a:p>
-            <a:pPr marL="742950" lvl="1" indent="-285750">
-              <a:buFont typeface="Wingdings" panose="05000000000000000000" pitchFamily="2" charset="2"/>
-              <a:buChar char="Ø"/>
-            </a:pPr>
-            <a:r>
-              <a:rPr lang="en-GB" sz="3200" dirty="0"/>
-              <a:t>Speed does not always change</a:t>
-            </a:r>
-          </a:p>
-          <a:p>
-            <a:pPr marL="742950" lvl="1" indent="-285750">
-              <a:buFont typeface="Wingdings" panose="05000000000000000000" pitchFamily="2" charset="2"/>
-              <a:buChar char="Ø"/>
-            </a:pPr>
-            <a:r>
-              <a:rPr lang="en-GB" sz="3200" dirty="0"/>
-              <a:t>Update chef movement</a:t>
-            </a:r>
-          </a:p>
-          <a:p>
-            <a:pPr marL="742950" lvl="1" indent="-285750">
-              <a:buFont typeface="Wingdings" panose="05000000000000000000" pitchFamily="2" charset="2"/>
-              <a:buChar char="Ø"/>
-            </a:pPr>
-            <a:r>
-              <a:rPr lang="en-GB" sz="3200" dirty="0"/>
-              <a:t>Fix customer movement</a:t>
+              <a:t>Feedback loops</a:t>
             </a:r>
           </a:p>
         </p:txBody>
